--- a/JailbreakCon Presentation.pptx
+++ b/JailbreakCon Presentation.pptx
@@ -4203,12 +4203,8 @@
           <a:lstStyle/>
           <a:p>
             <a:r>
-              <a:rPr lang="en-US" sz="1400" dirty="0" err="1" smtClean="0"/>
-              <a:t>Procyon</a:t>
-            </a:r>
-            <a:r>
               <a:rPr lang="en-US" sz="1400" dirty="0" smtClean="0"/>
-              <a:t> (@</a:t>
+              <a:t>Procyon (@</a:t>
             </a:r>
             <a:r>
               <a:rPr lang="en-US" sz="1400" dirty="0" err="1" smtClean="0"/>
@@ -4216,7 +4212,7 @@
             </a:r>
             <a:r>
               <a:rPr lang="en-US" sz="1400" dirty="0" smtClean="0"/>
-              <a:t>)s</a:t>
+              <a:t>)</a:t>
             </a:r>
             <a:endParaRPr lang="en-US" sz="1400" dirty="0"/>
           </a:p>
@@ -4396,17 +4392,8 @@
             </a:pPr>
             <a:r>
               <a:rPr lang="en-US" sz="2800" dirty="0" smtClean="0"/>
-              <a:t>Wanted </a:t>
-            </a:r>
-            <a:r>
-              <a:rPr lang="en-US" sz="2800" dirty="0" smtClean="0"/>
-              <a:t>to get into iOS development </a:t>
-            </a:r>
-            <a:r>
-              <a:rPr lang="en-US" sz="2800" dirty="0" smtClean="0"/>
-              <a:t>in late 2011</a:t>
-            </a:r>
-            <a:endParaRPr lang="en-US" sz="2800" dirty="0" smtClean="0"/>
+              <a:t>Wanted to get into iOS development in late 2011</a:t>
+            </a:r>
           </a:p>
           <a:p>
             <a:pPr>
@@ -4422,15 +4409,7 @@
             </a:pPr>
             <a:r>
               <a:rPr lang="en-US" sz="2800" dirty="0" smtClean="0"/>
-              <a:t>Not much documentation was </a:t>
-            </a:r>
-            <a:r>
-              <a:rPr lang="en-US" sz="2800" dirty="0" smtClean="0"/>
-              <a:t>online in 2011 </a:t>
-            </a:r>
-            <a:r>
-              <a:rPr lang="en-US" sz="2800" dirty="0" smtClean="0"/>
-              <a:t>about developing without a Mac</a:t>
+              <a:t>Not much documentation was online in 2011 about developing without a Mac</a:t>
             </a:r>
           </a:p>
           <a:p>
@@ -4447,13 +4426,8 @@
             </a:pPr>
             <a:r>
               <a:rPr lang="en-US" sz="2800" dirty="0" smtClean="0"/>
-              <a:t>Macs, unfortunately cost </a:t>
-            </a:r>
-            <a:r>
-              <a:rPr lang="en-US" sz="2800" dirty="0" smtClean="0"/>
-              <a:t>about 3x an average PC</a:t>
-            </a:r>
-            <a:endParaRPr lang="en-US" sz="2800" dirty="0" smtClean="0"/>
+              <a:t>Macs, unfortunately cost about 3x an average PC</a:t>
+            </a:r>
           </a:p>
           <a:p>
             <a:pPr>
@@ -4577,11 +4551,7 @@
             </a:pPr>
             <a:r>
               <a:rPr lang="en-US" sz="3200" dirty="0" smtClean="0"/>
-              <a:t>Latest Open Source </a:t>
-            </a:r>
-            <a:r>
-              <a:rPr lang="en-US" sz="3200" dirty="0" smtClean="0"/>
-              <a:t>iOS </a:t>
+              <a:t>Latest Open Source iOS </a:t>
             </a:r>
             <a:r>
               <a:rPr lang="en-US" sz="3200" dirty="0" err="1" smtClean="0"/>
@@ -4891,15 +4861,7 @@
             </a:br>
             <a:r>
               <a:rPr lang="en-US" sz="2800" dirty="0" smtClean="0"/>
-              <a:t>- An excellent text editor </a:t>
-            </a:r>
-            <a:r>
-              <a:rPr lang="en-US" sz="2800" dirty="0" smtClean="0"/>
-              <a:t>with Objective-C support </a:t>
-            </a:r>
-            <a:r>
-              <a:rPr lang="en-US" sz="2800" dirty="0" smtClean="0"/>
-              <a:t/>
+              <a:t>- An excellent text editor with Objective-C support </a:t>
             </a:r>
             <a:br>
               <a:rPr lang="en-US" sz="2800" dirty="0" smtClean="0"/>
